--- a/PlanPPT/세부기획서(메인화면)_초안.pptx
+++ b/PlanPPT/세부기획서(메인화면)_초안.pptx
@@ -8336,7 +8336,7 @@
         <p:spPr>
           <a:xfrm>
             <a:off x="9759386" y="2694624"/>
-            <a:ext cx="2252497" cy="541971"/>
+            <a:ext cx="2252497" cy="1227771"/>
           </a:xfrm>
           <a:prstGeom prst="rect">
             <a:avLst/>
@@ -8355,6 +8355,100 @@
               <a:t>해당 병력의 병력 세부 정보 팝업 띄우기</a:t>
             </a:r>
             <a:endParaRPr lang="ko-KR" altLang="en-US" sz="1500"/>
+          </a:p>
+          <a:p>
+            <a:pPr lvl="0">
+              <a:defRPr/>
+            </a:pPr>
+            <a:r>
+              <a:rPr lang="en-US" altLang="ko-KR" sz="1500"/>
+              <a:t>(</a:t>
+            </a:r>
+            <a:r>
+              <a:rPr lang="ko-KR" altLang="en-US" sz="1500"/>
+              <a:t>상단에 </a:t>
+            </a:r>
+            <a:r>
+              <a:rPr lang="en-US" altLang="ko-KR" sz="1500"/>
+              <a:t>1</a:t>
+            </a:r>
+            <a:r>
+              <a:rPr lang="ko-KR" altLang="en-US" sz="1500"/>
+              <a:t>티어 </a:t>
+            </a:r>
+            <a:r>
+              <a:rPr lang="en-US" altLang="ko-KR" sz="1500"/>
+              <a:t>2</a:t>
+            </a:r>
+            <a:r>
+              <a:rPr lang="ko-KR" altLang="en-US" sz="1500"/>
+              <a:t>개</a:t>
+            </a:r>
+            <a:r>
+              <a:rPr lang="en-US" altLang="ko-KR" sz="1500"/>
+              <a:t>,</a:t>
+            </a:r>
+            <a:endParaRPr lang="en-US" altLang="ko-KR" sz="1500"/>
+          </a:p>
+          <a:p>
+            <a:pPr lvl="0">
+              <a:defRPr/>
+            </a:pPr>
+            <a:r>
+              <a:rPr lang="ko-KR" altLang="en-US" sz="1500"/>
+              <a:t>좌하단에 </a:t>
+            </a:r>
+            <a:r>
+              <a:rPr lang="en-US" altLang="ko-KR" sz="1500"/>
+              <a:t>2</a:t>
+            </a:r>
+            <a:r>
+              <a:rPr lang="ko-KR" altLang="en-US" sz="1500"/>
+              <a:t>티어 </a:t>
+            </a:r>
+            <a:r>
+              <a:rPr lang="en-US" altLang="ko-KR" sz="1500"/>
+              <a:t>1</a:t>
+            </a:r>
+            <a:r>
+              <a:rPr lang="ko-KR" altLang="en-US" sz="1500"/>
+              <a:t>개</a:t>
+            </a:r>
+            <a:r>
+              <a:rPr lang="en-US" altLang="ko-KR" sz="1500"/>
+              <a:t>,</a:t>
+            </a:r>
+            <a:endParaRPr lang="en-US" altLang="ko-KR" sz="1500"/>
+          </a:p>
+          <a:p>
+            <a:pPr lvl="0">
+              <a:defRPr/>
+            </a:pPr>
+            <a:r>
+              <a:rPr lang="ko-KR" altLang="en-US" sz="1500"/>
+              <a:t>우하단에 </a:t>
+            </a:r>
+            <a:r>
+              <a:rPr lang="en-US" altLang="ko-KR" sz="1500"/>
+              <a:t>3</a:t>
+            </a:r>
+            <a:r>
+              <a:rPr lang="ko-KR" altLang="en-US" sz="1500"/>
+              <a:t>티어 </a:t>
+            </a:r>
+            <a:r>
+              <a:rPr lang="en-US" altLang="ko-KR" sz="1500"/>
+              <a:t>1</a:t>
+            </a:r>
+            <a:r>
+              <a:rPr lang="ko-KR" altLang="en-US" sz="1500"/>
+              <a:t>개</a:t>
+            </a:r>
+            <a:r>
+              <a:rPr lang="en-US" altLang="ko-KR" sz="1500"/>
+              <a:t>)</a:t>
+            </a:r>
+            <a:endParaRPr lang="en-US" altLang="ko-KR" sz="1500"/>
           </a:p>
         </p:txBody>
       </p:sp>
